--- a/session-4/MCTE 3104 - ses04.pptx
+++ b/session-4/MCTE 3104 - ses04.pptx
@@ -303,7 +303,7 @@
           <a:p>
             <a:fld id="{DCD1E33D-D95F-4D7A-BE4A-6CFDAFB57E07}" type="datetimeFigureOut">
               <a:rPr lang="en-MY" smtClean="0"/>
-              <a:t>5/10/2018</a:t>
+              <a:t>11/10/2018</a:t>
             </a:fld>
             <a:endParaRPr lang="en-MY"/>
           </a:p>
@@ -503,7 +503,7 @@
           <a:p>
             <a:fld id="{DCD1E33D-D95F-4D7A-BE4A-6CFDAFB57E07}" type="datetimeFigureOut">
               <a:rPr lang="en-MY" smtClean="0"/>
-              <a:t>5/10/2018</a:t>
+              <a:t>11/10/2018</a:t>
             </a:fld>
             <a:endParaRPr lang="en-MY"/>
           </a:p>
@@ -713,7 +713,7 @@
           <a:p>
             <a:fld id="{DCD1E33D-D95F-4D7A-BE4A-6CFDAFB57E07}" type="datetimeFigureOut">
               <a:rPr lang="en-MY" smtClean="0"/>
-              <a:t>5/10/2018</a:t>
+              <a:t>11/10/2018</a:t>
             </a:fld>
             <a:endParaRPr lang="en-MY"/>
           </a:p>
@@ -913,7 +913,7 @@
           <a:p>
             <a:fld id="{DCD1E33D-D95F-4D7A-BE4A-6CFDAFB57E07}" type="datetimeFigureOut">
               <a:rPr lang="en-MY" smtClean="0"/>
-              <a:t>5/10/2018</a:t>
+              <a:t>11/10/2018</a:t>
             </a:fld>
             <a:endParaRPr lang="en-MY"/>
           </a:p>
@@ -1189,7 +1189,7 @@
           <a:p>
             <a:fld id="{DCD1E33D-D95F-4D7A-BE4A-6CFDAFB57E07}" type="datetimeFigureOut">
               <a:rPr lang="en-MY" smtClean="0"/>
-              <a:t>5/10/2018</a:t>
+              <a:t>11/10/2018</a:t>
             </a:fld>
             <a:endParaRPr lang="en-MY"/>
           </a:p>
@@ -1457,7 +1457,7 @@
           <a:p>
             <a:fld id="{DCD1E33D-D95F-4D7A-BE4A-6CFDAFB57E07}" type="datetimeFigureOut">
               <a:rPr lang="en-MY" smtClean="0"/>
-              <a:t>5/10/2018</a:t>
+              <a:t>11/10/2018</a:t>
             </a:fld>
             <a:endParaRPr lang="en-MY"/>
           </a:p>
@@ -1872,7 +1872,7 @@
           <a:p>
             <a:fld id="{DCD1E33D-D95F-4D7A-BE4A-6CFDAFB57E07}" type="datetimeFigureOut">
               <a:rPr lang="en-MY" smtClean="0"/>
-              <a:t>5/10/2018</a:t>
+              <a:t>11/10/2018</a:t>
             </a:fld>
             <a:endParaRPr lang="en-MY"/>
           </a:p>
@@ -2014,7 +2014,7 @@
           <a:p>
             <a:fld id="{DCD1E33D-D95F-4D7A-BE4A-6CFDAFB57E07}" type="datetimeFigureOut">
               <a:rPr lang="en-MY" smtClean="0"/>
-              <a:t>5/10/2018</a:t>
+              <a:t>11/10/2018</a:t>
             </a:fld>
             <a:endParaRPr lang="en-MY"/>
           </a:p>
@@ -2127,7 +2127,7 @@
           <a:p>
             <a:fld id="{DCD1E33D-D95F-4D7A-BE4A-6CFDAFB57E07}" type="datetimeFigureOut">
               <a:rPr lang="en-MY" smtClean="0"/>
-              <a:t>5/10/2018</a:t>
+              <a:t>11/10/2018</a:t>
             </a:fld>
             <a:endParaRPr lang="en-MY"/>
           </a:p>
@@ -2440,7 +2440,7 @@
           <a:p>
             <a:fld id="{DCD1E33D-D95F-4D7A-BE4A-6CFDAFB57E07}" type="datetimeFigureOut">
               <a:rPr lang="en-MY" smtClean="0"/>
-              <a:t>5/10/2018</a:t>
+              <a:t>11/10/2018</a:t>
             </a:fld>
             <a:endParaRPr lang="en-MY"/>
           </a:p>
@@ -2729,7 +2729,7 @@
           <a:p>
             <a:fld id="{DCD1E33D-D95F-4D7A-BE4A-6CFDAFB57E07}" type="datetimeFigureOut">
               <a:rPr lang="en-MY" smtClean="0"/>
-              <a:t>5/10/2018</a:t>
+              <a:t>11/10/2018</a:t>
             </a:fld>
             <a:endParaRPr lang="en-MY"/>
           </a:p>
@@ -2972,7 +2972,7 @@
           <a:p>
             <a:fld id="{DCD1E33D-D95F-4D7A-BE4A-6CFDAFB57E07}" type="datetimeFigureOut">
               <a:rPr lang="en-MY" smtClean="0"/>
-              <a:t>5/10/2018</a:t>
+              <a:t>11/10/2018</a:t>
             </a:fld>
             <a:endParaRPr lang="en-MY"/>
           </a:p>
@@ -3458,7 +3458,7 @@
           <a:p>
             <a:r>
               <a:rPr lang="en-MY" dirty="0"/>
-              <a:t>WEEK 5: Serial USB – UART communication</a:t>
+              <a:t>Session no. 4 : Serial USB – UART communication</a:t>
             </a:r>
           </a:p>
         </p:txBody>
